--- a/OODP/OODP101_Week3 (1).pptx
+++ b/OODP/OODP101_Week3 (1).pptx
@@ -241,7 +241,7 @@
             <a:fld id="{3167B381-2549-48F4-8711-F15467D10553}" type="datetimeFigureOut">
               <a:rPr lang="en-US" smtClean="0"/>
               <a:pPr/>
-              <a:t>10/11/2021</a:t>
+              <a:t>4/23/2024</a:t>
             </a:fld>
             <a:endParaRPr lang="en-US" dirty="0"/>
           </a:p>
@@ -409,7 +409,7 @@
             <a:fld id="{9D3FBAC9-CFCC-4023-89A7-5749D0192C0F}" type="datetimeFigureOut">
               <a:rPr lang="en-AU" smtClean="0"/>
               <a:pPr/>
-              <a:t>11/10/2021</a:t>
+              <a:t>23/04/2024</a:t>
             </a:fld>
             <a:endParaRPr lang="en-AU" dirty="0"/>
           </a:p>
@@ -3667,7 +3667,7 @@
           <a:p>
             <a:fld id="{D9C8793D-DBA7-4A8F-846C-01F1021D9C65}" type="datetime1">
               <a:rPr lang="en-AU" smtClean="0"/>
-              <a:t>11/10/2021</a:t>
+              <a:t>23/04/2024</a:t>
             </a:fld>
             <a:endParaRPr lang="en-AU" dirty="0"/>
           </a:p>
@@ -4412,7 +4412,7 @@
           <a:p>
             <a:fld id="{29CE28F1-FEFC-4EE5-A54C-C5AD95E03F3C}" type="datetime1">
               <a:rPr lang="en-AU" smtClean="0"/>
-              <a:t>11/10/2021</a:t>
+              <a:t>23/04/2024</a:t>
             </a:fld>
             <a:endParaRPr lang="en-AU" dirty="0"/>
           </a:p>
@@ -5147,7 +5147,7 @@
           <a:p>
             <a:fld id="{840E0D84-6247-431F-AFCA-113F4EE39346}" type="datetime1">
               <a:rPr lang="en-AU" smtClean="0"/>
-              <a:t>11/10/2021</a:t>
+              <a:t>23/04/2024</a:t>
             </a:fld>
             <a:endParaRPr lang="en-AU" dirty="0"/>
           </a:p>
@@ -5958,7 +5958,7 @@
           <a:p>
             <a:fld id="{D89A24A7-E0D0-4BD2-8EBB-7E8FF95D7C57}" type="datetime1">
               <a:rPr lang="en-AU" smtClean="0"/>
-              <a:t>11/10/2021</a:t>
+              <a:t>23/04/2024</a:t>
             </a:fld>
             <a:endParaRPr lang="en-AU" dirty="0"/>
           </a:p>
@@ -7683,7 +7683,7 @@
           <a:p>
             <a:fld id="{B6FA2929-F721-4DEC-A111-2242BC722A49}" type="datetime1">
               <a:rPr lang="en-AU" smtClean="0"/>
-              <a:t>11/10/2021</a:t>
+              <a:t>23/04/2024</a:t>
             </a:fld>
             <a:endParaRPr lang="en-AU" dirty="0"/>
           </a:p>
@@ -8366,7 +8366,7 @@
           <a:p>
             <a:fld id="{DBF91B49-4D56-4BC2-B95B-69098DE600CD}" type="datetime1">
               <a:rPr lang="en-AU" smtClean="0"/>
-              <a:t>11/10/2021</a:t>
+              <a:t>23/04/2024</a:t>
             </a:fld>
             <a:endParaRPr lang="en-AU" dirty="0"/>
           </a:p>
@@ -8462,7 +8462,7 @@
           <a:p>
             <a:fld id="{07889B46-1CF9-4EE7-8FB6-DC61E422AE3F}" type="datetime1">
               <a:rPr lang="en-AU" smtClean="0"/>
-              <a:t>11/10/2021</a:t>
+              <a:t>23/04/2024</a:t>
             </a:fld>
             <a:endParaRPr lang="en-AU" dirty="0"/>
           </a:p>
@@ -9304,7 +9304,7 @@
           <a:p>
             <a:fld id="{47B667BA-8757-48F2-AF1C-31C9B01669C7}" type="datetime1">
               <a:rPr lang="en-AU" smtClean="0"/>
-              <a:t>11/10/2021</a:t>
+              <a:t>23/04/2024</a:t>
             </a:fld>
             <a:endParaRPr lang="en-AU" dirty="0"/>
           </a:p>
@@ -10126,7 +10126,7 @@
           <a:p>
             <a:fld id="{1E22260A-25C5-4CED-A8EB-9804556707CD}" type="datetime1">
               <a:rPr lang="en-AU" smtClean="0"/>
-              <a:t>11/10/2021</a:t>
+              <a:t>23/04/2024</a:t>
             </a:fld>
             <a:endParaRPr lang="en-AU" dirty="0"/>
           </a:p>
@@ -10904,7 +10904,7 @@
           <a:p>
             <a:fld id="{3F1CD844-23EE-4977-BC46-B90A110D249C}" type="datetime1">
               <a:rPr lang="en-AU" smtClean="0"/>
-              <a:t>11/10/2021</a:t>
+              <a:t>23/04/2024</a:t>
             </a:fld>
             <a:endParaRPr lang="en-AU" dirty="0"/>
           </a:p>
@@ -13164,8 +13164,8 @@
         </p:nvSpPr>
         <p:spPr>
           <a:xfrm>
-            <a:off x="2057400" y="3124200"/>
-            <a:ext cx="7162800" cy="2438400"/>
+            <a:off x="1078029" y="2261937"/>
+            <a:ext cx="8142171" cy="3300663"/>
           </a:xfrm>
         </p:spPr>
         <p:txBody>
@@ -13300,7 +13300,7 @@
         </p:nvSpPr>
         <p:spPr>
           <a:xfrm>
-            <a:off x="6324601" y="1600200"/>
+            <a:off x="8153400" y="502444"/>
             <a:ext cx="2790305" cy="1905000"/>
           </a:xfrm>
           <a:prstGeom prst="wedgeEllipseCallout">
@@ -13736,14 +13736,14 @@
           <p:nvPr>
             <p:extLst>
               <p:ext uri="{D42A27DB-BD31-4B8C-83A1-F6EECF244321}">
-                <p14:modId xmlns:p14="http://schemas.microsoft.com/office/powerpoint/2010/main" val="3622196906"/>
+                <p14:modId xmlns:p14="http://schemas.microsoft.com/office/powerpoint/2010/main" val="3875831945"/>
               </p:ext>
             </p:extLst>
           </p:nvPr>
         </p:nvGraphicFramePr>
         <p:xfrm>
           <a:off x="1981200" y="2286000"/>
-          <a:ext cx="6858000" cy="4094598"/>
+          <a:ext cx="8365959" cy="4094598"/>
         </p:xfrm>
         <a:graphic>
           <a:graphicData uri="http://schemas.openxmlformats.org/drawingml/2006/table">
@@ -13752,21 +13752,21 @@
                 <a:tableStyleId>{5C22544A-7EE6-4342-B048-85BDC9FD1C3A}</a:tableStyleId>
               </a:tblPr>
               <a:tblGrid>
-                <a:gridCol w="1371600">
+                <a:gridCol w="1673192">
                   <a:extLst>
                     <a:ext uri="{9D8B030D-6E8A-4147-A177-3AD203B41FA5}">
                       <a16:colId xmlns:a16="http://schemas.microsoft.com/office/drawing/2014/main" val="364132984"/>
                     </a:ext>
                   </a:extLst>
                 </a:gridCol>
-                <a:gridCol w="3048000">
+                <a:gridCol w="3718204">
                   <a:extLst>
                     <a:ext uri="{9D8B030D-6E8A-4147-A177-3AD203B41FA5}">
                       <a16:colId xmlns:a16="http://schemas.microsoft.com/office/drawing/2014/main" val="413526290"/>
                     </a:ext>
                   </a:extLst>
                 </a:gridCol>
-                <a:gridCol w="2438400">
+                <a:gridCol w="2974563">
                   <a:extLst>
                     <a:ext uri="{9D8B030D-6E8A-4147-A177-3AD203B41FA5}">
                       <a16:colId xmlns:a16="http://schemas.microsoft.com/office/drawing/2014/main" val="3817670916"/>
@@ -14372,8 +14372,8 @@
         </p:blipFill>
         <p:spPr>
           <a:xfrm>
-            <a:off x="2667000" y="2133600"/>
-            <a:ext cx="6248400" cy="2819400"/>
+            <a:off x="1414914" y="2133599"/>
+            <a:ext cx="9407892" cy="4245025"/>
           </a:xfrm>
           <a:prstGeom prst="rect">
             <a:avLst/>
@@ -15964,8 +15964,8 @@
         </p:blipFill>
         <p:spPr>
           <a:xfrm>
-            <a:off x="3429000" y="1828801"/>
-            <a:ext cx="5181600" cy="3428999"/>
+            <a:off x="1222409" y="1828801"/>
+            <a:ext cx="8922618" cy="4444428"/>
           </a:xfrm>
           <a:prstGeom prst="rect">
             <a:avLst/>
@@ -17068,8 +17068,8 @@
         </p:blipFill>
         <p:spPr>
           <a:xfrm>
-            <a:off x="2667001" y="2433033"/>
-            <a:ext cx="6263061" cy="2695733"/>
+            <a:off x="721895" y="1690689"/>
+            <a:ext cx="10201923" cy="4296226"/>
           </a:xfrm>
         </p:spPr>
       </p:pic>
@@ -17135,7 +17135,7 @@
         </p:nvSpPr>
         <p:spPr>
           <a:xfrm>
-            <a:off x="3200401" y="2032922"/>
+            <a:off x="2653225" y="1214775"/>
             <a:ext cx="6339261" cy="369332"/>
           </a:xfrm>
           <a:prstGeom prst="rect">
@@ -18708,8 +18708,8 @@
         </p:blipFill>
         <p:spPr>
           <a:xfrm>
-            <a:off x="6165965" y="1177370"/>
-            <a:ext cx="3345180" cy="5481597"/>
+            <a:off x="1472665" y="1177370"/>
+            <a:ext cx="8038480" cy="5481597"/>
           </a:xfrm>
           <a:prstGeom prst="rect">
             <a:avLst/>

--- a/OODP/OODP101_Week3 (1).pptx
+++ b/OODP/OODP101_Week3 (1).pptx
@@ -241,7 +241,7 @@
             <a:fld id="{3167B381-2549-48F4-8711-F15467D10553}" type="datetimeFigureOut">
               <a:rPr lang="en-US" smtClean="0"/>
               <a:pPr/>
-              <a:t>4/23/2024</a:t>
+              <a:t>4/26/2024</a:t>
             </a:fld>
             <a:endParaRPr lang="en-US" dirty="0"/>
           </a:p>
@@ -409,7 +409,7 @@
             <a:fld id="{9D3FBAC9-CFCC-4023-89A7-5749D0192C0F}" type="datetimeFigureOut">
               <a:rPr lang="en-AU" smtClean="0"/>
               <a:pPr/>
-              <a:t>23/04/2024</a:t>
+              <a:t>26/04/2024</a:t>
             </a:fld>
             <a:endParaRPr lang="en-AU" dirty="0"/>
           </a:p>
@@ -3667,7 +3667,7 @@
           <a:p>
             <a:fld id="{D9C8793D-DBA7-4A8F-846C-01F1021D9C65}" type="datetime1">
               <a:rPr lang="en-AU" smtClean="0"/>
-              <a:t>23/04/2024</a:t>
+              <a:t>26/04/2024</a:t>
             </a:fld>
             <a:endParaRPr lang="en-AU" dirty="0"/>
           </a:p>
@@ -4412,7 +4412,7 @@
           <a:p>
             <a:fld id="{29CE28F1-FEFC-4EE5-A54C-C5AD95E03F3C}" type="datetime1">
               <a:rPr lang="en-AU" smtClean="0"/>
-              <a:t>23/04/2024</a:t>
+              <a:t>26/04/2024</a:t>
             </a:fld>
             <a:endParaRPr lang="en-AU" dirty="0"/>
           </a:p>
@@ -5147,7 +5147,7 @@
           <a:p>
             <a:fld id="{840E0D84-6247-431F-AFCA-113F4EE39346}" type="datetime1">
               <a:rPr lang="en-AU" smtClean="0"/>
-              <a:t>23/04/2024</a:t>
+              <a:t>26/04/2024</a:t>
             </a:fld>
             <a:endParaRPr lang="en-AU" dirty="0"/>
           </a:p>
@@ -5958,7 +5958,7 @@
           <a:p>
             <a:fld id="{D89A24A7-E0D0-4BD2-8EBB-7E8FF95D7C57}" type="datetime1">
               <a:rPr lang="en-AU" smtClean="0"/>
-              <a:t>23/04/2024</a:t>
+              <a:t>26/04/2024</a:t>
             </a:fld>
             <a:endParaRPr lang="en-AU" dirty="0"/>
           </a:p>
@@ -7683,7 +7683,7 @@
           <a:p>
             <a:fld id="{B6FA2929-F721-4DEC-A111-2242BC722A49}" type="datetime1">
               <a:rPr lang="en-AU" smtClean="0"/>
-              <a:t>23/04/2024</a:t>
+              <a:t>26/04/2024</a:t>
             </a:fld>
             <a:endParaRPr lang="en-AU" dirty="0"/>
           </a:p>
@@ -8366,7 +8366,7 @@
           <a:p>
             <a:fld id="{DBF91B49-4D56-4BC2-B95B-69098DE600CD}" type="datetime1">
               <a:rPr lang="en-AU" smtClean="0"/>
-              <a:t>23/04/2024</a:t>
+              <a:t>26/04/2024</a:t>
             </a:fld>
             <a:endParaRPr lang="en-AU" dirty="0"/>
           </a:p>
@@ -8462,7 +8462,7 @@
           <a:p>
             <a:fld id="{07889B46-1CF9-4EE7-8FB6-DC61E422AE3F}" type="datetime1">
               <a:rPr lang="en-AU" smtClean="0"/>
-              <a:t>23/04/2024</a:t>
+              <a:t>26/04/2024</a:t>
             </a:fld>
             <a:endParaRPr lang="en-AU" dirty="0"/>
           </a:p>
@@ -9304,7 +9304,7 @@
           <a:p>
             <a:fld id="{47B667BA-8757-48F2-AF1C-31C9B01669C7}" type="datetime1">
               <a:rPr lang="en-AU" smtClean="0"/>
-              <a:t>23/04/2024</a:t>
+              <a:t>26/04/2024</a:t>
             </a:fld>
             <a:endParaRPr lang="en-AU" dirty="0"/>
           </a:p>
@@ -10126,7 +10126,7 @@
           <a:p>
             <a:fld id="{1E22260A-25C5-4CED-A8EB-9804556707CD}" type="datetime1">
               <a:rPr lang="en-AU" smtClean="0"/>
-              <a:t>23/04/2024</a:t>
+              <a:t>26/04/2024</a:t>
             </a:fld>
             <a:endParaRPr lang="en-AU" dirty="0"/>
           </a:p>
@@ -10904,7 +10904,7 @@
           <a:p>
             <a:fld id="{3F1CD844-23EE-4977-BC46-B90A110D249C}" type="datetime1">
               <a:rPr lang="en-AU" smtClean="0"/>
-              <a:t>23/04/2024</a:t>
+              <a:t>26/04/2024</a:t>
             </a:fld>
             <a:endParaRPr lang="en-AU" dirty="0"/>
           </a:p>
@@ -12204,8 +12204,8 @@
         </p:blipFill>
         <p:spPr bwMode="auto">
           <a:xfrm>
-            <a:off x="2895600" y="1676400"/>
-            <a:ext cx="5638800" cy="3276600"/>
+            <a:off x="2895599" y="1676400"/>
+            <a:ext cx="6921161" cy="4021756"/>
           </a:xfrm>
           <a:prstGeom prst="rect">
             <a:avLst/>
@@ -18709,7 +18709,7 @@
         <p:spPr>
           <a:xfrm>
             <a:off x="1472665" y="1177370"/>
-            <a:ext cx="8038480" cy="5481597"/>
+            <a:ext cx="7372952" cy="5481597"/>
           </a:xfrm>
           <a:prstGeom prst="rect">
             <a:avLst/>

--- a/OODP/OODP101_Week3 (1).pptx
+++ b/OODP/OODP101_Week3 (1).pptx
@@ -241,7 +241,7 @@
             <a:fld id="{3167B381-2549-48F4-8711-F15467D10553}" type="datetimeFigureOut">
               <a:rPr lang="en-US" smtClean="0"/>
               <a:pPr/>
-              <a:t>4/26/2024</a:t>
+              <a:t>6/16/2024</a:t>
             </a:fld>
             <a:endParaRPr lang="en-US" dirty="0"/>
           </a:p>
@@ -409,7 +409,7 @@
             <a:fld id="{9D3FBAC9-CFCC-4023-89A7-5749D0192C0F}" type="datetimeFigureOut">
               <a:rPr lang="en-AU" smtClean="0"/>
               <a:pPr/>
-              <a:t>26/04/2024</a:t>
+              <a:t>16/06/2024</a:t>
             </a:fld>
             <a:endParaRPr lang="en-AU" dirty="0"/>
           </a:p>
@@ -3667,7 +3667,7 @@
           <a:p>
             <a:fld id="{D9C8793D-DBA7-4A8F-846C-01F1021D9C65}" type="datetime1">
               <a:rPr lang="en-AU" smtClean="0"/>
-              <a:t>26/04/2024</a:t>
+              <a:t>16/06/2024</a:t>
             </a:fld>
             <a:endParaRPr lang="en-AU" dirty="0"/>
           </a:p>
@@ -4412,7 +4412,7 @@
           <a:p>
             <a:fld id="{29CE28F1-FEFC-4EE5-A54C-C5AD95E03F3C}" type="datetime1">
               <a:rPr lang="en-AU" smtClean="0"/>
-              <a:t>26/04/2024</a:t>
+              <a:t>16/06/2024</a:t>
             </a:fld>
             <a:endParaRPr lang="en-AU" dirty="0"/>
           </a:p>
@@ -5147,7 +5147,7 @@
           <a:p>
             <a:fld id="{840E0D84-6247-431F-AFCA-113F4EE39346}" type="datetime1">
               <a:rPr lang="en-AU" smtClean="0"/>
-              <a:t>26/04/2024</a:t>
+              <a:t>16/06/2024</a:t>
             </a:fld>
             <a:endParaRPr lang="en-AU" dirty="0"/>
           </a:p>
@@ -5958,7 +5958,7 @@
           <a:p>
             <a:fld id="{D89A24A7-E0D0-4BD2-8EBB-7E8FF95D7C57}" type="datetime1">
               <a:rPr lang="en-AU" smtClean="0"/>
-              <a:t>26/04/2024</a:t>
+              <a:t>16/06/2024</a:t>
             </a:fld>
             <a:endParaRPr lang="en-AU" dirty="0"/>
           </a:p>
@@ -7683,7 +7683,7 @@
           <a:p>
             <a:fld id="{B6FA2929-F721-4DEC-A111-2242BC722A49}" type="datetime1">
               <a:rPr lang="en-AU" smtClean="0"/>
-              <a:t>26/04/2024</a:t>
+              <a:t>16/06/2024</a:t>
             </a:fld>
             <a:endParaRPr lang="en-AU" dirty="0"/>
           </a:p>
@@ -8366,7 +8366,7 @@
           <a:p>
             <a:fld id="{DBF91B49-4D56-4BC2-B95B-69098DE600CD}" type="datetime1">
               <a:rPr lang="en-AU" smtClean="0"/>
-              <a:t>26/04/2024</a:t>
+              <a:t>16/06/2024</a:t>
             </a:fld>
             <a:endParaRPr lang="en-AU" dirty="0"/>
           </a:p>
@@ -8462,7 +8462,7 @@
           <a:p>
             <a:fld id="{07889B46-1CF9-4EE7-8FB6-DC61E422AE3F}" type="datetime1">
               <a:rPr lang="en-AU" smtClean="0"/>
-              <a:t>26/04/2024</a:t>
+              <a:t>16/06/2024</a:t>
             </a:fld>
             <a:endParaRPr lang="en-AU" dirty="0"/>
           </a:p>
@@ -9304,7 +9304,7 @@
           <a:p>
             <a:fld id="{47B667BA-8757-48F2-AF1C-31C9B01669C7}" type="datetime1">
               <a:rPr lang="en-AU" smtClean="0"/>
-              <a:t>26/04/2024</a:t>
+              <a:t>16/06/2024</a:t>
             </a:fld>
             <a:endParaRPr lang="en-AU" dirty="0"/>
           </a:p>
@@ -10126,7 +10126,7 @@
           <a:p>
             <a:fld id="{1E22260A-25C5-4CED-A8EB-9804556707CD}" type="datetime1">
               <a:rPr lang="en-AU" smtClean="0"/>
-              <a:t>26/04/2024</a:t>
+              <a:t>16/06/2024</a:t>
             </a:fld>
             <a:endParaRPr lang="en-AU" dirty="0"/>
           </a:p>
@@ -10904,7 +10904,7 @@
           <a:p>
             <a:fld id="{3F1CD844-23EE-4977-BC46-B90A110D249C}" type="datetime1">
               <a:rPr lang="en-AU" smtClean="0"/>
-              <a:t>26/04/2024</a:t>
+              <a:t>16/06/2024</a:t>
             </a:fld>
             <a:endParaRPr lang="en-AU" dirty="0"/>
           </a:p>
@@ -12204,8 +12204,8 @@
         </p:blipFill>
         <p:spPr bwMode="auto">
           <a:xfrm>
-            <a:off x="2895599" y="1676400"/>
-            <a:ext cx="6921161" cy="4021756"/>
+            <a:off x="1364343" y="1480457"/>
+            <a:ext cx="8911771" cy="4412343"/>
           </a:xfrm>
           <a:prstGeom prst="rect">
             <a:avLst/>
@@ -14515,8 +14515,8 @@
         </p:blipFill>
         <p:spPr>
           <a:xfrm>
-            <a:off x="3276600" y="1680876"/>
-            <a:ext cx="4648200" cy="4105848"/>
+            <a:off x="1973943" y="1680876"/>
+            <a:ext cx="8273143" cy="4105848"/>
           </a:xfrm>
           <a:prstGeom prst="rect">
             <a:avLst/>
@@ -18708,8 +18708,8 @@
         </p:blipFill>
         <p:spPr>
           <a:xfrm>
-            <a:off x="1472665" y="1177370"/>
-            <a:ext cx="7372952" cy="5481597"/>
+            <a:off x="1219200" y="1465943"/>
+            <a:ext cx="10134600" cy="5193024"/>
           </a:xfrm>
           <a:prstGeom prst="rect">
             <a:avLst/>
